--- a/Assignment10/Nair_Bees_Pesticides.pptx
+++ b/Assignment10/Nair_Bees_Pesticides.pptx
@@ -198,7 +198,7 @@
           <a:p>
             <a:fld id="{4520094D-A3D4-0445-BCCC-65865DFAD62D}" type="datetimeFigureOut">
               <a:rPr lang="en-US" smtClean="0"/>
-              <a:t>4/17/17</a:t>
+              <a:t>4/18/17</a:t>
             </a:fld>
             <a:endParaRPr lang="en-US"/>
           </a:p>
@@ -739,6 +739,13 @@
               <a:rPr lang="en-US" baseline="0" dirty="0" smtClean="0"/>
               <a:t>The original study repeat should be a linear regression for foraging and a simple bar chart / pie chart for flower preferences. </a:t>
             </a:r>
+            <a:endParaRPr lang="en-US" baseline="0" dirty="0" smtClean="0"/>
+          </a:p>
+          <a:p>
+            <a:r>
+              <a:rPr lang="en-US" baseline="0" smtClean="0"/>
+              <a:t>The </a:t>
+            </a:r>
             <a:endParaRPr lang="en-US" dirty="0"/>
           </a:p>
         </p:txBody>
@@ -972,7 +979,7 @@
           <a:p>
             <a:fld id="{8698FBD9-E1C8-AC42-ACD5-5EE8B5256BDC}" type="datetimeFigureOut">
               <a:rPr lang="en-US" smtClean="0"/>
-              <a:t>4/17/17</a:t>
+              <a:t>4/18/17</a:t>
             </a:fld>
             <a:endParaRPr lang="en-US"/>
           </a:p>
@@ -1238,7 +1245,7 @@
           <a:p>
             <a:fld id="{8698FBD9-E1C8-AC42-ACD5-5EE8B5256BDC}" type="datetimeFigureOut">
               <a:rPr lang="en-US" smtClean="0"/>
-              <a:t>4/17/17</a:t>
+              <a:t>4/18/17</a:t>
             </a:fld>
             <a:endParaRPr lang="en-US"/>
           </a:p>
@@ -1413,7 +1420,7 @@
           <a:p>
             <a:fld id="{8698FBD9-E1C8-AC42-ACD5-5EE8B5256BDC}" type="datetimeFigureOut">
               <a:rPr lang="en-US" smtClean="0"/>
-              <a:t>4/17/17</a:t>
+              <a:t>4/18/17</a:t>
             </a:fld>
             <a:endParaRPr lang="en-US"/>
           </a:p>
@@ -1578,7 +1585,7 @@
           <a:p>
             <a:fld id="{8698FBD9-E1C8-AC42-ACD5-5EE8B5256BDC}" type="datetimeFigureOut">
               <a:rPr lang="en-US" smtClean="0"/>
-              <a:t>4/17/17</a:t>
+              <a:t>4/18/17</a:t>
             </a:fld>
             <a:endParaRPr lang="en-US"/>
           </a:p>
@@ -1827,7 +1834,7 @@
           <a:p>
             <a:fld id="{8698FBD9-E1C8-AC42-ACD5-5EE8B5256BDC}" type="datetimeFigureOut">
               <a:rPr lang="en-US" smtClean="0"/>
-              <a:t>4/17/17</a:t>
+              <a:t>4/18/17</a:t>
             </a:fld>
             <a:endParaRPr lang="en-US"/>
           </a:p>
@@ -2110,7 +2117,7 @@
           <a:p>
             <a:fld id="{8698FBD9-E1C8-AC42-ACD5-5EE8B5256BDC}" type="datetimeFigureOut">
               <a:rPr lang="en-US" smtClean="0"/>
-              <a:t>4/17/17</a:t>
+              <a:t>4/18/17</a:t>
             </a:fld>
             <a:endParaRPr lang="en-US"/>
           </a:p>
@@ -2549,7 +2556,7 @@
           <a:p>
             <a:fld id="{8698FBD9-E1C8-AC42-ACD5-5EE8B5256BDC}" type="datetimeFigureOut">
               <a:rPr lang="en-US" smtClean="0"/>
-              <a:t>4/17/17</a:t>
+              <a:t>4/18/17</a:t>
             </a:fld>
             <a:endParaRPr lang="en-US"/>
           </a:p>
@@ -2662,7 +2669,7 @@
           <a:p>
             <a:fld id="{8698FBD9-E1C8-AC42-ACD5-5EE8B5256BDC}" type="datetimeFigureOut">
               <a:rPr lang="en-US" smtClean="0"/>
-              <a:t>4/17/17</a:t>
+              <a:t>4/18/17</a:t>
             </a:fld>
             <a:endParaRPr lang="en-US"/>
           </a:p>
@@ -2752,7 +2759,7 @@
           <a:p>
             <a:fld id="{8698FBD9-E1C8-AC42-ACD5-5EE8B5256BDC}" type="datetimeFigureOut">
               <a:rPr lang="en-US" smtClean="0"/>
-              <a:t>4/17/17</a:t>
+              <a:t>4/18/17</a:t>
             </a:fld>
             <a:endParaRPr lang="en-US"/>
           </a:p>
@@ -2994,7 +3001,7 @@
           <a:p>
             <a:fld id="{8698FBD9-E1C8-AC42-ACD5-5EE8B5256BDC}" type="datetimeFigureOut">
               <a:rPr lang="en-US" smtClean="0"/>
-              <a:t>4/17/17</a:t>
+              <a:t>4/18/17</a:t>
             </a:fld>
             <a:endParaRPr lang="en-US"/>
           </a:p>
@@ -3289,7 +3296,7 @@
           <a:p>
             <a:fld id="{8698FBD9-E1C8-AC42-ACD5-5EE8B5256BDC}" type="datetimeFigureOut">
               <a:rPr lang="en-US" smtClean="0"/>
-              <a:t>4/17/17</a:t>
+              <a:t>4/18/17</a:t>
             </a:fld>
             <a:endParaRPr lang="en-US"/>
           </a:p>
@@ -3583,7 +3590,7 @@
           <a:p>
             <a:fld id="{8698FBD9-E1C8-AC42-ACD5-5EE8B5256BDC}" type="datetimeFigureOut">
               <a:rPr lang="en-US" smtClean="0"/>
-              <a:t>4/17/17</a:t>
+              <a:t>4/18/17</a:t>
             </a:fld>
             <a:endParaRPr lang="en-US"/>
           </a:p>
@@ -4116,11 +4123,7 @@
           <a:p>
             <a:r>
               <a:rPr lang="en-US" dirty="0" smtClean="0"/>
-              <a:t>Question: How are bumblebee foraging patterns and preferences affecte</a:t>
-            </a:r>
-            <a:r>
-              <a:rPr lang="en-US" dirty="0" smtClean="0"/>
-              <a:t>d by prolonged exposure to pesticides?</a:t>
+              <a:t>Question: How are bumblebee foraging patterns and preferences affected by prolonged exposure to pesticides?</a:t>
             </a:r>
           </a:p>
           <a:p>
@@ -5193,6 +5196,13 @@
   <p:clrMapOvr>
     <a:masterClrMapping/>
   </p:clrMapOvr>
+  <p:timing>
+    <p:tnLst>
+      <p:par>
+        <p:cTn xmlns:p14="http://schemas.microsoft.com/office/powerpoint/2010/main" id="1" dur="indefinite" restart="never" nodeType="tmRoot"/>
+      </p:par>
+    </p:tnLst>
+  </p:timing>
 </p:sld>
 </file>
 
